--- a/content/2016/01/26/jpeg.pptx
+++ b/content/2016/01/26/jpeg.pptx
@@ -15434,22 +15434,7 @@
                   </a:outerShdw>
                 </a:effectLst>
               </a:rPr>
-              <a:t>APP</a:t>
-            </a:r>
-            <a:r>
-              <a:rPr kumimoji="1" lang="en-US" altLang="ja-JP" b="1" dirty="0" smtClean="0">
-                <a:solidFill>
-                  <a:schemeClr val="tx1"/>
-                </a:solidFill>
-                <a:effectLst>
-                  <a:outerShdw blurRad="50800" dist="38100" dir="2700000" algn="tl" rotWithShape="0">
-                    <a:srgbClr val="000000">
-                      <a:alpha val="43000"/>
-                    </a:srgbClr>
-                  </a:outerShdw>
-                </a:effectLst>
-              </a:rPr>
-              <a:t>1</a:t>
+              <a:t>APP1</a:t>
             </a:r>
             <a:endParaRPr kumimoji="1" lang="ja-JP" altLang="en-US" b="1" dirty="0">
               <a:solidFill>
@@ -15533,22 +15518,7 @@
                   </a:outerShdw>
                 </a:effectLst>
               </a:rPr>
-              <a:t>APP</a:t>
-            </a:r>
-            <a:r>
-              <a:rPr kumimoji="1" lang="en-US" altLang="ja-JP" b="1" dirty="0" smtClean="0">
-                <a:solidFill>
-                  <a:schemeClr val="tx1"/>
-                </a:solidFill>
-                <a:effectLst>
-                  <a:outerShdw blurRad="50800" dist="38100" dir="2700000" algn="tl" rotWithShape="0">
-                    <a:srgbClr val="000000">
-                      <a:alpha val="43000"/>
-                    </a:srgbClr>
-                  </a:outerShdw>
-                </a:effectLst>
-              </a:rPr>
-              <a:t>2</a:t>
+              <a:t>APP2</a:t>
             </a:r>
             <a:endParaRPr kumimoji="1" lang="ja-JP" altLang="en-US" b="1" dirty="0">
               <a:solidFill>
@@ -16956,22 +16926,7 @@
                   </a:outerShdw>
                 </a:effectLst>
               </a:rPr>
-              <a:t>APP</a:t>
-            </a:r>
-            <a:r>
-              <a:rPr kumimoji="1" lang="en-US" altLang="ja-JP" b="1" dirty="0" smtClean="0">
-                <a:solidFill>
-                  <a:schemeClr val="tx1"/>
-                </a:solidFill>
-                <a:effectLst>
-                  <a:outerShdw blurRad="50800" dist="38100" dir="2700000" algn="tl" rotWithShape="0">
-                    <a:srgbClr val="000000">
-                      <a:alpha val="43000"/>
-                    </a:srgbClr>
-                  </a:outerShdw>
-                </a:effectLst>
-              </a:rPr>
-              <a:t>1</a:t>
+              <a:t>APP1</a:t>
             </a:r>
             <a:endParaRPr kumimoji="1" lang="ja-JP" altLang="en-US" b="1" dirty="0">
               <a:solidFill>
@@ -17055,22 +17010,7 @@
                   </a:outerShdw>
                 </a:effectLst>
               </a:rPr>
-              <a:t>APP</a:t>
-            </a:r>
-            <a:r>
-              <a:rPr kumimoji="1" lang="en-US" altLang="ja-JP" b="1" dirty="0" smtClean="0">
-                <a:solidFill>
-                  <a:schemeClr val="tx1"/>
-                </a:solidFill>
-                <a:effectLst>
-                  <a:outerShdw blurRad="50800" dist="38100" dir="2700000" algn="tl" rotWithShape="0">
-                    <a:srgbClr val="000000">
-                      <a:alpha val="43000"/>
-                    </a:srgbClr>
-                  </a:outerShdw>
-                </a:effectLst>
-              </a:rPr>
-              <a:t>2</a:t>
+              <a:t>APP2</a:t>
             </a:r>
             <a:endParaRPr kumimoji="1" lang="ja-JP" altLang="en-US" b="1" dirty="0">
               <a:solidFill>
@@ -18416,22 +18356,7 @@
                   </a:outerShdw>
                 </a:effectLst>
               </a:rPr>
-              <a:t>APP</a:t>
-            </a:r>
-            <a:r>
-              <a:rPr kumimoji="1" lang="en-US" altLang="ja-JP" b="1" dirty="0" smtClean="0">
-                <a:solidFill>
-                  <a:schemeClr val="tx1"/>
-                </a:solidFill>
-                <a:effectLst>
-                  <a:outerShdw blurRad="50800" dist="38100" dir="2700000" algn="tl" rotWithShape="0">
-                    <a:srgbClr val="000000">
-                      <a:alpha val="43000"/>
-                    </a:srgbClr>
-                  </a:outerShdw>
-                </a:effectLst>
-              </a:rPr>
-              <a:t>1</a:t>
+              <a:t>APP1</a:t>
             </a:r>
             <a:endParaRPr kumimoji="1" lang="ja-JP" altLang="en-US" b="1" dirty="0">
               <a:solidFill>
@@ -18515,22 +18440,7 @@
                   </a:outerShdw>
                 </a:effectLst>
               </a:rPr>
-              <a:t>APP</a:t>
-            </a:r>
-            <a:r>
-              <a:rPr kumimoji="1" lang="en-US" altLang="ja-JP" b="1" dirty="0" smtClean="0">
-                <a:solidFill>
-                  <a:schemeClr val="tx1"/>
-                </a:solidFill>
-                <a:effectLst>
-                  <a:outerShdw blurRad="50800" dist="38100" dir="2700000" algn="tl" rotWithShape="0">
-                    <a:srgbClr val="000000">
-                      <a:alpha val="43000"/>
-                    </a:srgbClr>
-                  </a:outerShdw>
-                </a:effectLst>
-              </a:rPr>
-              <a:t>2</a:t>
+              <a:t>APP2</a:t>
             </a:r>
             <a:endParaRPr kumimoji="1" lang="ja-JP" altLang="en-US" b="1" dirty="0">
               <a:solidFill>
@@ -18569,7 +18479,7 @@
         </p:blipFill>
         <p:spPr>
           <a:xfrm>
-            <a:off x="1741734" y="4481309"/>
+            <a:off x="5960179" y="4481309"/>
             <a:ext cx="1524000" cy="914400"/>
           </a:xfrm>
           <a:prstGeom prst="rect">
@@ -18585,7 +18495,7 @@
         </p:nvSpPr>
         <p:spPr>
           <a:xfrm>
-            <a:off x="3391927" y="4731178"/>
+            <a:off x="3316337" y="4731178"/>
             <a:ext cx="634942" cy="534770"/>
           </a:xfrm>
           <a:prstGeom prst="mathPlus">
@@ -18623,7 +18533,7 @@
         </p:nvSpPr>
         <p:spPr>
           <a:xfrm>
-            <a:off x="5209224" y="4755746"/>
+            <a:off x="5231901" y="4755746"/>
             <a:ext cx="685069" cy="474190"/>
           </a:xfrm>
           <a:prstGeom prst="mathEqual">
@@ -18695,7 +18605,7 @@
         </p:nvSpPr>
         <p:spPr>
           <a:xfrm>
-            <a:off x="4026869" y="3229734"/>
+            <a:off x="3996633" y="3229734"/>
             <a:ext cx="1182355" cy="784639"/>
           </a:xfrm>
           <a:prstGeom prst="roundRect">
@@ -18796,7 +18706,7 @@
         </p:nvSpPr>
         <p:spPr>
           <a:xfrm>
-            <a:off x="3384459" y="3417114"/>
+            <a:off x="3308869" y="3417114"/>
             <a:ext cx="634942" cy="534770"/>
           </a:xfrm>
           <a:prstGeom prst="mathPlus">
@@ -18834,7 +18744,7 @@
         </p:nvSpPr>
         <p:spPr>
           <a:xfrm>
-            <a:off x="5201756" y="3441682"/>
+            <a:off x="5224433" y="3441682"/>
             <a:ext cx="685069" cy="474190"/>
           </a:xfrm>
           <a:prstGeom prst="mathEqual">
@@ -18947,7 +18857,7 @@
         </p:nvSpPr>
         <p:spPr>
           <a:xfrm>
-            <a:off x="4026869" y="4568310"/>
+            <a:off x="3996633" y="4568310"/>
             <a:ext cx="1182355" cy="784639"/>
           </a:xfrm>
           <a:prstGeom prst="roundRect">
@@ -19062,7 +18972,7 @@
         </p:blipFill>
         <p:spPr>
           <a:xfrm rot="16200000">
-            <a:off x="5952711" y="4527061"/>
+            <a:off x="1729060" y="4511943"/>
             <a:ext cx="1524000" cy="914400"/>
           </a:xfrm>
           <a:prstGeom prst="rect">
